--- a/slides/15-Collections.pptx
+++ b/slides/15-Collections.pptx
@@ -266,7 +266,7 @@
             <a:fld id="{63EE0429-3A54-4FCE-9BEC-4E6874F5DDA5}" type="datetimeFigureOut">
               <a:rPr lang="pt-BR" smtClean="0"/>
               <a:pPr/>
-              <a:t>30/03/2012</a:t>
+              <a:t>13/04/2012</a:t>
             </a:fld>
             <a:endParaRPr lang="pt-BR"/>
           </a:p>
@@ -435,7 +435,7 @@
     </p:spTree>
     <p:extLst>
       <p:ext uri="{BB962C8B-B14F-4D97-AF65-F5344CB8AC3E}">
-        <p14:creationId xmlns="" xmlns:p14="http://schemas.microsoft.com/office/powerpoint/2010/main" val="594373875"/>
+        <p14:creationId xmlns:p14="http://schemas.microsoft.com/office/powerpoint/2010/main" val="594373875"/>
       </p:ext>
     </p:extLst>
   </p:cSld>
@@ -614,7 +614,7 @@
     </p:spTree>
     <p:extLst>
       <p:ext uri="{BB962C8B-B14F-4D97-AF65-F5344CB8AC3E}">
-        <p14:creationId xmlns="" xmlns:p14="http://schemas.microsoft.com/office/powerpoint/2010/main" val="3805640522"/>
+        <p14:creationId xmlns:p14="http://schemas.microsoft.com/office/powerpoint/2010/main" val="3805640522"/>
       </p:ext>
     </p:extLst>
   </p:cSld>
@@ -6801,7 +6801,7 @@
             <a:fld id="{C1675C04-B1D7-4314-A174-D1660FB6FF37}" type="datetimeFigureOut">
               <a:rPr lang="pt-BR" smtClean="0"/>
               <a:pPr/>
-              <a:t>30/03/2012</a:t>
+              <a:t>13/04/2012</a:t>
             </a:fld>
             <a:endParaRPr lang="pt-BR"/>
           </a:p>
@@ -6853,7 +6853,7 @@
     </p:spTree>
     <p:extLst>
       <p:ext uri="{BB962C8B-B14F-4D97-AF65-F5344CB8AC3E}">
-        <p14:creationId xmlns="" xmlns:p14="http://schemas.microsoft.com/office/powerpoint/2010/main" val="3819067513"/>
+        <p14:creationId xmlns:p14="http://schemas.microsoft.com/office/powerpoint/2010/main" val="3819067513"/>
       </p:ext>
     </p:extLst>
   </p:cSld>
@@ -7025,7 +7025,7 @@
             <a:fld id="{C1675C04-B1D7-4314-A174-D1660FB6FF37}" type="datetimeFigureOut">
               <a:rPr lang="pt-BR" smtClean="0"/>
               <a:pPr/>
-              <a:t>30/03/2012</a:t>
+              <a:t>13/04/2012</a:t>
             </a:fld>
             <a:endParaRPr lang="pt-BR"/>
           </a:p>
@@ -7077,7 +7077,7 @@
     </p:spTree>
     <p:extLst>
       <p:ext uri="{BB962C8B-B14F-4D97-AF65-F5344CB8AC3E}">
-        <p14:creationId xmlns="" xmlns:p14="http://schemas.microsoft.com/office/powerpoint/2010/main" val="4293683188"/>
+        <p14:creationId xmlns:p14="http://schemas.microsoft.com/office/powerpoint/2010/main" val="4293683188"/>
       </p:ext>
     </p:extLst>
   </p:cSld>
@@ -7259,7 +7259,7 @@
             <a:fld id="{C1675C04-B1D7-4314-A174-D1660FB6FF37}" type="datetimeFigureOut">
               <a:rPr lang="pt-BR" smtClean="0"/>
               <a:pPr/>
-              <a:t>30/03/2012</a:t>
+              <a:t>13/04/2012</a:t>
             </a:fld>
             <a:endParaRPr lang="pt-BR"/>
           </a:p>
@@ -7311,7 +7311,7 @@
     </p:spTree>
     <p:extLst>
       <p:ext uri="{BB962C8B-B14F-4D97-AF65-F5344CB8AC3E}">
-        <p14:creationId xmlns="" xmlns:p14="http://schemas.microsoft.com/office/powerpoint/2010/main" val="932540526"/>
+        <p14:creationId xmlns:p14="http://schemas.microsoft.com/office/powerpoint/2010/main" val="932540526"/>
       </p:ext>
     </p:extLst>
   </p:cSld>
@@ -7580,7 +7580,7 @@
     </p:spTree>
     <p:extLst>
       <p:ext uri="{BB962C8B-B14F-4D97-AF65-F5344CB8AC3E}">
-        <p14:creationId xmlns="" xmlns:p14="http://schemas.microsoft.com/office/powerpoint/2010/main" val="45777805"/>
+        <p14:creationId xmlns:p14="http://schemas.microsoft.com/office/powerpoint/2010/main" val="45777805"/>
       </p:ext>
     </p:extLst>
   </p:cSld>
@@ -7620,7 +7620,7 @@
           <a:blip r:embed="rId2" cstate="print">
             <a:extLst>
               <a:ext uri="{BEBA8EAE-BF5A-486C-A8C5-ECC9F3942E4B}">
-                <a14:imgProps xmlns="" xmlns:a14="http://schemas.microsoft.com/office/drawing/2010/main">
+                <a14:imgProps xmlns:a14="http://schemas.microsoft.com/office/drawing/2010/main">
                   <a14:imgLayer r:embed="rId3">
                     <a14:imgEffect>
                       <a14:artisticBlur/>
@@ -7629,7 +7629,7 @@
                 </a14:imgProps>
               </a:ext>
               <a:ext uri="{28A0092B-C50C-407E-A947-70E740481C1C}">
-                <a14:useLocalDpi xmlns="" xmlns:a14="http://schemas.microsoft.com/office/drawing/2010/main" val="0"/>
+                <a14:useLocalDpi xmlns:a14="http://schemas.microsoft.com/office/drawing/2010/main" val="0"/>
               </a:ext>
             </a:extLst>
           </a:blip>
@@ -7651,14 +7651,14 @@
           </a:ln>
           <a:extLst>
             <a:ext uri="{909E8E84-426E-40DD-AFC4-6F175D3DCCD1}">
-              <a14:hiddenFill xmlns="" xmlns:a14="http://schemas.microsoft.com/office/drawing/2010/main">
+              <a14:hiddenFill xmlns:a14="http://schemas.microsoft.com/office/drawing/2010/main">
                 <a:solidFill>
                   <a:schemeClr val="accent1"/>
                 </a:solidFill>
               </a14:hiddenFill>
             </a:ext>
             <a:ext uri="{91240B29-F687-4F45-9708-019B960494DF}">
-              <a14:hiddenLine xmlns="" xmlns:a14="http://schemas.microsoft.com/office/drawing/2010/main" w="9525">
+              <a14:hiddenLine xmlns:a14="http://schemas.microsoft.com/office/drawing/2010/main" w="9525">
                 <a:solidFill>
                   <a:schemeClr val="tx1"/>
                 </a:solidFill>
@@ -7668,7 +7668,7 @@
               </a14:hiddenLine>
             </a:ext>
             <a:ext uri="{AF507438-7753-43E0-B8FC-AC1667EBCBE1}">
-              <a14:hiddenEffects xmlns="" xmlns:a14="http://schemas.microsoft.com/office/drawing/2010/main">
+              <a14:hiddenEffects xmlns:a14="http://schemas.microsoft.com/office/drawing/2010/main">
                 <a:effectLst>
                   <a:outerShdw dist="35921" dir="2700000" algn="ctr" rotWithShape="0">
                     <a:schemeClr val="bg2"/>
@@ -7864,7 +7864,7 @@
             <a:fld id="{C1675C04-B1D7-4314-A174-D1660FB6FF37}" type="datetimeFigureOut">
               <a:rPr lang="pt-BR" smtClean="0"/>
               <a:pPr/>
-              <a:t>30/03/2012</a:t>
+              <a:t>13/04/2012</a:t>
             </a:fld>
             <a:endParaRPr lang="pt-BR"/>
           </a:p>
@@ -7916,7 +7916,7 @@
     </p:spTree>
     <p:extLst>
       <p:ext uri="{BB962C8B-B14F-4D97-AF65-F5344CB8AC3E}">
-        <p14:creationId xmlns="" xmlns:p14="http://schemas.microsoft.com/office/powerpoint/2010/main" val="1140807732"/>
+        <p14:creationId xmlns:p14="http://schemas.microsoft.com/office/powerpoint/2010/main" val="1140807732"/>
       </p:ext>
     </p:extLst>
   </p:cSld>
@@ -8122,7 +8122,7 @@
             <a:fld id="{C1675C04-B1D7-4314-A174-D1660FB6FF37}" type="datetimeFigureOut">
               <a:rPr lang="pt-BR" smtClean="0"/>
               <a:pPr/>
-              <a:t>30/03/2012</a:t>
+              <a:t>13/04/2012</a:t>
             </a:fld>
             <a:endParaRPr lang="pt-BR"/>
           </a:p>
@@ -8174,7 +8174,7 @@
     </p:spTree>
     <p:extLst>
       <p:ext uri="{BB962C8B-B14F-4D97-AF65-F5344CB8AC3E}">
-        <p14:creationId xmlns="" xmlns:p14="http://schemas.microsoft.com/office/powerpoint/2010/main" val="3735907881"/>
+        <p14:creationId xmlns:p14="http://schemas.microsoft.com/office/powerpoint/2010/main" val="3735907881"/>
       </p:ext>
     </p:extLst>
   </p:cSld>
@@ -8468,7 +8468,7 @@
             <a:fld id="{C1675C04-B1D7-4314-A174-D1660FB6FF37}" type="datetimeFigureOut">
               <a:rPr lang="pt-BR" smtClean="0"/>
               <a:pPr/>
-              <a:t>30/03/2012</a:t>
+              <a:t>13/04/2012</a:t>
             </a:fld>
             <a:endParaRPr lang="pt-BR"/>
           </a:p>
@@ -8520,7 +8520,7 @@
     </p:spTree>
     <p:extLst>
       <p:ext uri="{BB962C8B-B14F-4D97-AF65-F5344CB8AC3E}">
-        <p14:creationId xmlns="" xmlns:p14="http://schemas.microsoft.com/office/powerpoint/2010/main" val="2820318444"/>
+        <p14:creationId xmlns:p14="http://schemas.microsoft.com/office/powerpoint/2010/main" val="2820318444"/>
       </p:ext>
     </p:extLst>
   </p:cSld>
@@ -8952,7 +8952,7 @@
             <a:fld id="{C1675C04-B1D7-4314-A174-D1660FB6FF37}" type="datetimeFigureOut">
               <a:rPr lang="pt-BR" smtClean="0"/>
               <a:pPr/>
-              <a:t>30/03/2012</a:t>
+              <a:t>13/04/2012</a:t>
             </a:fld>
             <a:endParaRPr lang="pt-BR"/>
           </a:p>
@@ -9004,7 +9004,7 @@
     </p:spTree>
     <p:extLst>
       <p:ext uri="{BB962C8B-B14F-4D97-AF65-F5344CB8AC3E}">
-        <p14:creationId xmlns="" xmlns:p14="http://schemas.microsoft.com/office/powerpoint/2010/main" val="566552069"/>
+        <p14:creationId xmlns:p14="http://schemas.microsoft.com/office/powerpoint/2010/main" val="566552069"/>
       </p:ext>
     </p:extLst>
   </p:cSld>
@@ -9088,7 +9088,7 @@
             <a:fld id="{C1675C04-B1D7-4314-A174-D1660FB6FF37}" type="datetimeFigureOut">
               <a:rPr lang="pt-BR" smtClean="0"/>
               <a:pPr/>
-              <a:t>30/03/2012</a:t>
+              <a:t>13/04/2012</a:t>
             </a:fld>
             <a:endParaRPr lang="pt-BR"/>
           </a:p>
@@ -9140,7 +9140,7 @@
     </p:spTree>
     <p:extLst>
       <p:ext uri="{BB962C8B-B14F-4D97-AF65-F5344CB8AC3E}">
-        <p14:creationId xmlns="" xmlns:p14="http://schemas.microsoft.com/office/powerpoint/2010/main" val="1358390184"/>
+        <p14:creationId xmlns:p14="http://schemas.microsoft.com/office/powerpoint/2010/main" val="1358390184"/>
       </p:ext>
     </p:extLst>
   </p:cSld>
@@ -9193,7 +9193,7 @@
             <a:fld id="{C1675C04-B1D7-4314-A174-D1660FB6FF37}" type="datetimeFigureOut">
               <a:rPr lang="pt-BR" smtClean="0"/>
               <a:pPr/>
-              <a:t>30/03/2012</a:t>
+              <a:t>13/04/2012</a:t>
             </a:fld>
             <a:endParaRPr lang="pt-BR"/>
           </a:p>
@@ -9245,7 +9245,7 @@
     </p:spTree>
     <p:extLst>
       <p:ext uri="{BB962C8B-B14F-4D97-AF65-F5344CB8AC3E}">
-        <p14:creationId xmlns="" xmlns:p14="http://schemas.microsoft.com/office/powerpoint/2010/main" val="3705262111"/>
+        <p14:creationId xmlns:p14="http://schemas.microsoft.com/office/powerpoint/2010/main" val="3705262111"/>
       </p:ext>
     </p:extLst>
   </p:cSld>
@@ -9508,7 +9508,7 @@
             <a:fld id="{C1675C04-B1D7-4314-A174-D1660FB6FF37}" type="datetimeFigureOut">
               <a:rPr lang="pt-BR" smtClean="0"/>
               <a:pPr/>
-              <a:t>30/03/2012</a:t>
+              <a:t>13/04/2012</a:t>
             </a:fld>
             <a:endParaRPr lang="pt-BR"/>
           </a:p>
@@ -9560,7 +9560,7 @@
     </p:spTree>
     <p:extLst>
       <p:ext uri="{BB962C8B-B14F-4D97-AF65-F5344CB8AC3E}">
-        <p14:creationId xmlns="" xmlns:p14="http://schemas.microsoft.com/office/powerpoint/2010/main" val="2189634051"/>
+        <p14:creationId xmlns:p14="http://schemas.microsoft.com/office/powerpoint/2010/main" val="2189634051"/>
       </p:ext>
     </p:extLst>
   </p:cSld>
@@ -9783,7 +9783,7 @@
             <a:fld id="{C1675C04-B1D7-4314-A174-D1660FB6FF37}" type="datetimeFigureOut">
               <a:rPr lang="pt-BR" smtClean="0"/>
               <a:pPr/>
-              <a:t>30/03/2012</a:t>
+              <a:t>13/04/2012</a:t>
             </a:fld>
             <a:endParaRPr lang="pt-BR"/>
           </a:p>
@@ -9835,7 +9835,7 @@
     </p:spTree>
     <p:extLst>
       <p:ext uri="{BB962C8B-B14F-4D97-AF65-F5344CB8AC3E}">
-        <p14:creationId xmlns="" xmlns:p14="http://schemas.microsoft.com/office/powerpoint/2010/main" val="3848481695"/>
+        <p14:creationId xmlns:p14="http://schemas.microsoft.com/office/powerpoint/2010/main" val="3848481695"/>
       </p:ext>
     </p:extLst>
   </p:cSld>
@@ -9999,7 +9999,7 @@
             <a:fld id="{C1675C04-B1D7-4314-A174-D1660FB6FF37}" type="datetimeFigureOut">
               <a:rPr lang="pt-BR" smtClean="0"/>
               <a:pPr/>
-              <a:t>30/03/2012</a:t>
+              <a:t>13/04/2012</a:t>
             </a:fld>
             <a:endParaRPr lang="pt-BR"/>
           </a:p>
@@ -10113,7 +10113,7 @@
     </p:spTree>
     <p:extLst>
       <p:ext uri="{BB962C8B-B14F-4D97-AF65-F5344CB8AC3E}">
-        <p14:creationId xmlns="" xmlns:p14="http://schemas.microsoft.com/office/powerpoint/2010/main" val="2257276274"/>
+        <p14:creationId xmlns:p14="http://schemas.microsoft.com/office/powerpoint/2010/main" val="2257276274"/>
       </p:ext>
     </p:extLst>
   </p:cSld>
@@ -10422,7 +10422,7 @@
           <a:blip r:embed="rId3" cstate="print">
             <a:extLst>
               <a:ext uri="{28A0092B-C50C-407E-A947-70E740481C1C}">
-                <a14:useLocalDpi xmlns="" xmlns:a14="http://schemas.microsoft.com/office/drawing/2010/main" val="0"/>
+                <a14:useLocalDpi xmlns:a14="http://schemas.microsoft.com/office/drawing/2010/main" val="0"/>
               </a:ext>
             </a:extLst>
           </a:blip>
@@ -10446,14 +10446,14 @@
           <a:effectLst/>
           <a:extLst>
             <a:ext uri="{909E8E84-426E-40DD-AFC4-6F175D3DCCD1}">
-              <a14:hiddenFill xmlns="" xmlns:a14="http://schemas.microsoft.com/office/drawing/2010/main">
+              <a14:hiddenFill xmlns:a14="http://schemas.microsoft.com/office/drawing/2010/main">
                 <a:solidFill>
                   <a:schemeClr val="accent1"/>
                 </a:solidFill>
               </a14:hiddenFill>
             </a:ext>
             <a:ext uri="{91240B29-F687-4F45-9708-019B960494DF}">
-              <a14:hiddenLine xmlns="" xmlns:a14="http://schemas.microsoft.com/office/drawing/2010/main" w="9525">
+              <a14:hiddenLine xmlns:a14="http://schemas.microsoft.com/office/drawing/2010/main" w="9525">
                 <a:solidFill>
                   <a:schemeClr val="tx1"/>
                 </a:solidFill>
@@ -10463,7 +10463,7 @@
               </a14:hiddenLine>
             </a:ext>
             <a:ext uri="{AF507438-7753-43E0-B8FC-AC1667EBCBE1}">
-              <a14:hiddenEffects xmlns="" xmlns:a14="http://schemas.microsoft.com/office/drawing/2010/main">
+              <a14:hiddenEffects xmlns:a14="http://schemas.microsoft.com/office/drawing/2010/main">
                 <a:effectLst>
                   <a:outerShdw dist="35921" dir="2700000" algn="ctr" rotWithShape="0">
                     <a:schemeClr val="bg2"/>
@@ -10544,7 +10544,7 @@
     </p:spTree>
     <p:extLst>
       <p:ext uri="{BB962C8B-B14F-4D97-AF65-F5344CB8AC3E}">
-        <p14:creationId xmlns="" xmlns:p14="http://schemas.microsoft.com/office/powerpoint/2010/main" val="164985714"/>
+        <p14:creationId xmlns:p14="http://schemas.microsoft.com/office/powerpoint/2010/main" val="164985714"/>
       </p:ext>
     </p:extLst>
   </p:cSld>
@@ -11918,6 +11918,13 @@
     <a:masterClrMapping/>
   </p:clrMapOvr>
   <p:transition spd="slow"/>
+  <p:timing>
+    <p:tnLst>
+      <p:par>
+        <p:cTn id="1" dur="indefinite" restart="never" nodeType="tmRoot"/>
+      </p:par>
+    </p:tnLst>
+  </p:timing>
 </p:sld>
 </file>
 
@@ -11977,7 +11984,7 @@
             </a:r>
             <a:r>
               <a:rPr lang="pt-BR" dirty="0" smtClean="0"/>
-              <a:t>() de dois objetos são iguais, então devem devolver o mesmo </a:t>
+              <a:t>() de dois objetos são iguais, então devem obrigatoriamente devolver o mesmo </a:t>
             </a:r>
             <a:r>
               <a:rPr lang="pt-BR" dirty="0" err="1" smtClean="0"/>
@@ -12048,6 +12055,13 @@
     <a:masterClrMapping/>
   </p:clrMapOvr>
   <p:transition spd="slow"/>
+  <p:timing>
+    <p:tnLst>
+      <p:par>
+        <p:cTn id="1" dur="indefinite" restart="never" nodeType="tmRoot"/>
+      </p:par>
+    </p:tnLst>
+  </p:timing>
 </p:sld>
 </file>
 
@@ -12124,6 +12138,13 @@
     <a:masterClrMapping/>
   </p:clrMapOvr>
   <p:transition spd="slow"/>
+  <p:timing>
+    <p:tnLst>
+      <p:par>
+        <p:cTn id="1" dur="indefinite" restart="never" nodeType="tmRoot"/>
+      </p:par>
+    </p:tnLst>
+  </p:timing>
 </p:sld>
 </file>
 
@@ -13806,23 +13827,11 @@
             </a:r>
             <a:r>
               <a:rPr lang="pt-BR" dirty="0" err="1" smtClean="0"/>
-              <a:t>java</a:t>
-            </a:r>
-            <a:r>
-              <a:rPr lang="pt-BR" dirty="0" smtClean="0"/>
-              <a:t>.</a:t>
-            </a:r>
-            <a:r>
-              <a:rPr lang="pt-BR" dirty="0" err="1" smtClean="0"/>
-              <a:t>util.Collections</a:t>
-            </a:r>
-            <a:r>
-              <a:rPr lang="pt-BR" dirty="0" smtClean="0"/>
-              <a:t>, que possui muitos métodos estáticos utilitários para </a:t>
-            </a:r>
-            <a:r>
-              <a:rPr lang="pt-BR" dirty="0" err="1" smtClean="0"/>
-              <a:t>colecões</a:t>
+              <a:t>java.util.Collections</a:t>
+            </a:r>
+            <a:r>
+              <a:rPr lang="pt-BR" dirty="0" smtClean="0"/>
+              <a:t>, que possui muitos métodos estáticos utilitários para coleções</a:t>
             </a:r>
             <a:endParaRPr lang="pt-BR" dirty="0"/>
           </a:p>
@@ -14053,15 +14062,7 @@
             </a:r>
             <a:r>
               <a:rPr lang="pt-BR" dirty="0" smtClean="0"/>
-              <a:t>: coisas </a:t>
-            </a:r>
-            <a:r>
-              <a:rPr lang="pt-BR" dirty="0" err="1" smtClean="0"/>
-              <a:t>oraganizadas</a:t>
-            </a:r>
-            <a:r>
-              <a:rPr lang="pt-BR" dirty="0" smtClean="0"/>
-              <a:t> na ordem em que devem ser processadas</a:t>
+              <a:t>: coisas organizadas na ordem em que devem ser processadas</a:t>
             </a:r>
             <a:endParaRPr lang="pt-BR" dirty="0"/>
           </a:p>
@@ -14504,7 +14505,7 @@
             </a:r>
             <a:r>
               <a:rPr lang="pt-BR" dirty="0" smtClean="0"/>
-              <a:t> o, </a:t>
+              <a:t> o), </a:t>
             </a:r>
             <a:r>
               <a:rPr lang="pt-BR" dirty="0" err="1" smtClean="0"/>
@@ -14528,7 +14529,7 @@
             </a:r>
             <a:r>
               <a:rPr lang="pt-BR" dirty="0" smtClean="0"/>
-              <a:t> o))</a:t>
+              <a:t> o)</a:t>
             </a:r>
           </a:p>
           <a:p>
@@ -14647,7 +14648,7 @@
             </a:r>
             <a:r>
               <a:rPr lang="pt-BR" dirty="0" smtClean="0"/>
-              <a:t>(Ordenada pelo índice)</a:t>
+              <a:t>(Classificada pelo índice)</a:t>
             </a:r>
           </a:p>
           <a:p>
@@ -15012,16 +15013,12 @@
           </a:p>
           <a:p>
             <a:r>
+              <a:rPr lang="pt-BR" dirty="0" smtClean="0"/>
+              <a:t>Vector e </a:t>
+            </a:r>
+            <a:r>
               <a:rPr lang="pt-BR" dirty="0" err="1" smtClean="0"/>
-              <a:t>Vector</a:t>
-            </a:r>
-            <a:r>
-              <a:rPr lang="pt-BR" dirty="0" smtClean="0"/>
-              <a:t> e </a:t>
-            </a:r>
-            <a:r>
-              <a:rPr lang="pt-BR" dirty="0" err="1" smtClean="0"/>
-              <a:t>ArrayLisr</a:t>
+              <a:t>ArrayList</a:t>
             </a:r>
             <a:r>
               <a:rPr lang="pt-BR" dirty="0" smtClean="0"/>
@@ -15148,7 +15145,7 @@
             </a:r>
             <a:r>
               <a:rPr lang="pt-BR" dirty="0" smtClean="0"/>
-              <a:t>() y </a:t>
+              <a:t>() e </a:t>
             </a:r>
             <a:r>
               <a:rPr lang="pt-BR" dirty="0" err="1" smtClean="0"/>
@@ -15539,7 +15536,7 @@
             </a:r>
             <a:r>
               <a:rPr lang="pt-BR" dirty="0" smtClean="0"/>
-              <a:t>, são as únicas coleções com regra de ordenamento(</a:t>
+              <a:t>, são as únicas coleções com regra de classificação(</a:t>
             </a:r>
             <a:r>
               <a:rPr lang="pt-BR" dirty="0" err="1" smtClean="0"/>
@@ -16700,7 +16697,7 @@
           <a:p>
             <a:r>
               <a:rPr lang="pt-BR" dirty="0" smtClean="0"/>
-              <a:t>Permite estabelecer uma ordem nos elementos utilizando </a:t>
+              <a:t>Permite estabelecer uma classificação nos elementos utilizando </a:t>
             </a:r>
             <a:r>
               <a:rPr lang="pt-BR" dirty="0" err="1" smtClean="0"/>
@@ -16904,13 +16901,8 @@
           <a:p>
             <a:r>
               <a:rPr lang="pt-BR" dirty="0" smtClean="0"/>
-              <a:t>Seu propósito é criar uma coleção ordenada em vez de utilizar uma </a:t>
-            </a:r>
-            <a:r>
-              <a:rPr lang="pt-BR" smtClean="0"/>
-              <a:t>fila normal</a:t>
-            </a:r>
-            <a:endParaRPr lang="pt-BR" dirty="0" smtClean="0"/>
+              <a:t>Seu propósito é criar uma coleção classificada em vez de utilizar uma fila normal</a:t>
+            </a:r>
           </a:p>
           <a:p>
             <a:r>
@@ -17197,6 +17189,13 @@
     <a:masterClrMapping/>
   </p:clrMapOvr>
   <p:transition spd="slow"/>
+  <p:timing>
+    <p:tnLst>
+      <p:par>
+        <p:cTn id="1" dur="indefinite" restart="never" nodeType="tmRoot"/>
+      </p:par>
+    </p:tnLst>
+  </p:timing>
 </p:sld>
 </file>
 
@@ -17354,6 +17353,13 @@
     <a:masterClrMapping/>
   </p:clrMapOvr>
   <p:transition spd="slow"/>
+  <p:timing>
+    <p:tnLst>
+      <p:par>
+        <p:cTn id="1" dur="indefinite" restart="never" nodeType="tmRoot"/>
+      </p:par>
+    </p:tnLst>
+  </p:timing>
 </p:sld>
 </file>
 
@@ -17552,7 +17558,7 @@
           <a:p>
             <a:r>
               <a:rPr lang="pt-BR" dirty="0" smtClean="0"/>
-              <a:t>Ordenando Coleções</a:t>
+              <a:t>Classificando Coleções</a:t>
             </a:r>
             <a:endParaRPr lang="pt-BR" dirty="0"/>
           </a:p>
@@ -18286,11 +18292,11 @@
           <a:lstStyle/>
           <a:p>
             <a:r>
-              <a:rPr lang="pt-BR" dirty="0" smtClean="0"/>
-              <a:t>Ordenando Coleções(</a:t>
-            </a:r>
-            <a:r>
-              <a:rPr lang="pt-BR" dirty="0" err="1" smtClean="0"/>
+              <a:rPr lang="pt-BR" dirty="0"/>
+              <a:t>Classificando Coleções(</a:t>
+            </a:r>
+            <a:r>
+              <a:rPr lang="pt-BR" dirty="0" err="1"/>
               <a:t>Cont</a:t>
             </a:r>
             <a:r>
@@ -18824,8 +18830,12 @@
           <a:lstStyle/>
           <a:p>
             <a:r>
-              <a:rPr lang="pt-BR" dirty="0" smtClean="0"/>
-              <a:t>Ordenando Coleções(</a:t>
+              <a:rPr lang="pt-BR" dirty="0"/>
+              <a:t>Classificando </a:t>
+            </a:r>
+            <a:r>
+              <a:rPr lang="pt-BR" dirty="0" smtClean="0"/>
+              <a:t>Coleções(</a:t>
             </a:r>
             <a:r>
               <a:rPr lang="pt-BR" dirty="0" err="1" smtClean="0"/>
@@ -18833,7 +18843,7 @@
             </a:r>
             <a:r>
               <a:rPr lang="pt-BR" dirty="0" smtClean="0"/>
-              <a:t>)</a:t>
+              <a:t> 2)</a:t>
             </a:r>
             <a:endParaRPr lang="pt-BR" dirty="0"/>
           </a:p>
@@ -20202,7 +20212,7 @@
           <a:p>
             <a:r>
               <a:rPr lang="pt-BR" dirty="0" smtClean="0"/>
-              <a:t>Ordenando com </a:t>
+              <a:t>Classificando com </a:t>
             </a:r>
             <a:r>
               <a:rPr lang="pt-BR" dirty="0" err="1" smtClean="0"/>
@@ -20406,12 +20416,14 @@
         </p:nvSpPr>
         <p:spPr/>
         <p:txBody>
-          <a:bodyPr/>
-          <a:lstStyle/>
-          <a:p>
-            <a:r>
-              <a:rPr lang="pt-BR" dirty="0" smtClean="0"/>
-              <a:t>Ordenando com </a:t>
+          <a:bodyPr>
+            <a:normAutofit fontScale="90000"/>
+          </a:bodyPr>
+          <a:lstStyle/>
+          <a:p>
+            <a:r>
+              <a:rPr lang="pt-BR" dirty="0" smtClean="0"/>
+              <a:t>Classificando com </a:t>
             </a:r>
             <a:r>
               <a:rPr lang="pt-BR" dirty="0" err="1" smtClean="0"/>
@@ -21086,7 +21098,15 @@
           <a:p>
             <a:r>
               <a:rPr lang="pt-BR" dirty="0" smtClean="0"/>
-              <a:t>Podemos dizer que possui um cursor interno que sabe o elemento atual que esta sendo retornado</a:t>
+              <a:t>Podemos dizer que possui um cursor interno que sabe o elemento atual que </a:t>
+            </a:r>
+            <a:r>
+              <a:rPr lang="pt-BR" dirty="0" smtClean="0"/>
+              <a:t>está </a:t>
+            </a:r>
+            <a:r>
+              <a:rPr lang="pt-BR" dirty="0" smtClean="0"/>
+              <a:t>sendo retornado</a:t>
             </a:r>
           </a:p>
         </p:txBody>
@@ -27728,8 +27748,12 @@
           </a:p>
           <a:p>
             <a:r>
-              <a:rPr lang="pt-BR" dirty="0" smtClean="0"/>
-              <a:t>Tipo s enumerados podem ser usados como chave ou valor</a:t>
+              <a:rPr lang="pt-BR" smtClean="0"/>
+              <a:t>Tipos </a:t>
+            </a:r>
+            <a:r>
+              <a:rPr lang="pt-BR" dirty="0" smtClean="0"/>
+              <a:t>enumerados podem ser usados como chave ou valor</a:t>
             </a:r>
           </a:p>
           <a:p>
